--- a/team4/Final Presentation.pptx
+++ b/team4/Final Presentation.pptx
@@ -128,22 +128,6 @@
       </a:defRPr>
     </a:lvl9pPr>
   </p:defaultTextStyle>
-  <p:extLst>
-    <p:ext uri="{EFAFB233-063F-42B5-8137-9DF3F51BA10A}">
-      <p15:sldGuideLst xmlns:p15="http://schemas.microsoft.com/office/powerpoint/2012/main">
-        <p15:guide id="1" orient="horz" pos="2160">
-          <p15:clr>
-            <a:srgbClr val="A4A3A4"/>
-          </p15:clr>
-        </p15:guide>
-        <p15:guide id="2" pos="2880">
-          <p15:clr>
-            <a:srgbClr val="A4A3A4"/>
-          </p15:clr>
-        </p15:guide>
-      </p15:sldGuideLst>
-    </p:ext>
-  </p:extLst>
 </p:presentation>
 </file>
 
@@ -552,7 +536,7 @@
         <p:nvSpPr>
           <p:cNvPr id="21505" name="Rectangle 1"/>
           <p:cNvSpPr txBox="1">
-            <a:spLocks noGrp="1" noRot="1" noChangeAspect="1" noChangeArrowheads="1"/>
+            <a:spLocks noChangeArrowheads="1"/>
           </p:cNvSpPr>
           <p:nvPr>
             <p:ph type="sldImg"/>
@@ -594,7 +578,7 @@
         <p:nvSpPr>
           <p:cNvPr id="21506" name="Rectangle 2"/>
           <p:cNvSpPr txBox="1">
-            <a:spLocks noGrp="1" noChangeArrowheads="1"/>
+            <a:spLocks noChangeArrowheads="1"/>
           </p:cNvSpPr>
           <p:nvPr>
             <p:ph type="body" idx="1"/>
@@ -648,11 +632,6 @@
         </p:txBody>
       </p:sp>
     </p:spTree>
-    <p:extLst>
-      <p:ext uri="{BB962C8B-B14F-4D97-AF65-F5344CB8AC3E}">
-        <p14:creationId xmlns:p14="http://schemas.microsoft.com/office/powerpoint/2010/main" val="3812220744"/>
-      </p:ext>
-    </p:extLst>
   </p:cSld>
   <p:clrMapOvr>
     <a:masterClrMapping/>
@@ -715,7 +694,7 @@
         <p:nvSpPr>
           <p:cNvPr id="32769" name="Rectangle 1"/>
           <p:cNvSpPr txBox="1">
-            <a:spLocks noGrp="1" noRot="1" noChangeAspect="1" noChangeArrowheads="1"/>
+            <a:spLocks noChangeArrowheads="1"/>
           </p:cNvSpPr>
           <p:nvPr>
             <p:ph type="sldImg"/>
@@ -757,7 +736,7 @@
         <p:nvSpPr>
           <p:cNvPr id="32770" name="Rectangle 2"/>
           <p:cNvSpPr txBox="1">
-            <a:spLocks noGrp="1" noChangeArrowheads="1"/>
+            <a:spLocks noChangeArrowheads="1"/>
           </p:cNvSpPr>
           <p:nvPr>
             <p:ph type="body" idx="1"/>
@@ -811,11 +790,6 @@
         </p:txBody>
       </p:sp>
     </p:spTree>
-    <p:extLst>
-      <p:ext uri="{BB962C8B-B14F-4D97-AF65-F5344CB8AC3E}">
-        <p14:creationId xmlns:p14="http://schemas.microsoft.com/office/powerpoint/2010/main" val="3871382675"/>
-      </p:ext>
-    </p:extLst>
   </p:cSld>
   <p:clrMapOvr>
     <a:masterClrMapping/>
@@ -878,7 +852,7 @@
         <p:nvSpPr>
           <p:cNvPr id="25601" name="Rectangle 1"/>
           <p:cNvSpPr txBox="1">
-            <a:spLocks noGrp="1" noRot="1" noChangeAspect="1" noChangeArrowheads="1"/>
+            <a:spLocks noChangeArrowheads="1"/>
           </p:cNvSpPr>
           <p:nvPr>
             <p:ph type="sldImg"/>
@@ -920,7 +894,7 @@
         <p:nvSpPr>
           <p:cNvPr id="25602" name="Rectangle 2"/>
           <p:cNvSpPr txBox="1">
-            <a:spLocks noGrp="1" noChangeArrowheads="1"/>
+            <a:spLocks noChangeArrowheads="1"/>
           </p:cNvSpPr>
           <p:nvPr>
             <p:ph type="body" idx="1"/>
@@ -974,11 +948,6 @@
         </p:txBody>
       </p:sp>
     </p:spTree>
-    <p:extLst>
-      <p:ext uri="{BB962C8B-B14F-4D97-AF65-F5344CB8AC3E}">
-        <p14:creationId xmlns:p14="http://schemas.microsoft.com/office/powerpoint/2010/main" val="4247545640"/>
-      </p:ext>
-    </p:extLst>
   </p:cSld>
   <p:clrMapOvr>
     <a:masterClrMapping/>
@@ -1041,7 +1010,7 @@
         <p:nvSpPr>
           <p:cNvPr id="24577" name="Rectangle 1"/>
           <p:cNvSpPr txBox="1">
-            <a:spLocks noGrp="1" noRot="1" noChangeAspect="1" noChangeArrowheads="1"/>
+            <a:spLocks noChangeArrowheads="1"/>
           </p:cNvSpPr>
           <p:nvPr>
             <p:ph type="sldImg"/>
@@ -1083,7 +1052,7 @@
         <p:nvSpPr>
           <p:cNvPr id="24578" name="Rectangle 2"/>
           <p:cNvSpPr txBox="1">
-            <a:spLocks noGrp="1" noChangeArrowheads="1"/>
+            <a:spLocks noChangeArrowheads="1"/>
           </p:cNvSpPr>
           <p:nvPr>
             <p:ph type="body" idx="1"/>
@@ -1137,11 +1106,6 @@
         </p:txBody>
       </p:sp>
     </p:spTree>
-    <p:extLst>
-      <p:ext uri="{BB962C8B-B14F-4D97-AF65-F5344CB8AC3E}">
-        <p14:creationId xmlns:p14="http://schemas.microsoft.com/office/powerpoint/2010/main" val="1242780181"/>
-      </p:ext>
-    </p:extLst>
   </p:cSld>
   <p:clrMapOvr>
     <a:masterClrMapping/>
@@ -1204,7 +1168,7 @@
         <p:nvSpPr>
           <p:cNvPr id="22529" name="Rectangle 1"/>
           <p:cNvSpPr txBox="1">
-            <a:spLocks noGrp="1" noRot="1" noChangeAspect="1" noChangeArrowheads="1"/>
+            <a:spLocks noChangeArrowheads="1"/>
           </p:cNvSpPr>
           <p:nvPr>
             <p:ph type="sldImg"/>
@@ -1246,7 +1210,7 @@
         <p:nvSpPr>
           <p:cNvPr id="22530" name="Rectangle 2"/>
           <p:cNvSpPr txBox="1">
-            <a:spLocks noGrp="1" noChangeArrowheads="1"/>
+            <a:spLocks noChangeArrowheads="1"/>
           </p:cNvSpPr>
           <p:nvPr>
             <p:ph type="body" idx="1"/>
@@ -1300,11 +1264,6 @@
         </p:txBody>
       </p:sp>
     </p:spTree>
-    <p:extLst>
-      <p:ext uri="{BB962C8B-B14F-4D97-AF65-F5344CB8AC3E}">
-        <p14:creationId xmlns:p14="http://schemas.microsoft.com/office/powerpoint/2010/main" val="2931338192"/>
-      </p:ext>
-    </p:extLst>
   </p:cSld>
   <p:clrMapOvr>
     <a:masterClrMapping/>
@@ -1367,7 +1326,7 @@
         <p:nvSpPr>
           <p:cNvPr id="27649" name="Rectangle 1"/>
           <p:cNvSpPr txBox="1">
-            <a:spLocks noGrp="1" noRot="1" noChangeAspect="1" noChangeArrowheads="1"/>
+            <a:spLocks noChangeArrowheads="1"/>
           </p:cNvSpPr>
           <p:nvPr>
             <p:ph type="sldImg"/>
@@ -1409,7 +1368,7 @@
         <p:nvSpPr>
           <p:cNvPr id="27650" name="Rectangle 2"/>
           <p:cNvSpPr txBox="1">
-            <a:spLocks noGrp="1" noChangeArrowheads="1"/>
+            <a:spLocks noChangeArrowheads="1"/>
           </p:cNvSpPr>
           <p:nvPr>
             <p:ph type="body" idx="1"/>
@@ -1463,11 +1422,6 @@
         </p:txBody>
       </p:sp>
     </p:spTree>
-    <p:extLst>
-      <p:ext uri="{BB962C8B-B14F-4D97-AF65-F5344CB8AC3E}">
-        <p14:creationId xmlns:p14="http://schemas.microsoft.com/office/powerpoint/2010/main" val="924420956"/>
-      </p:ext>
-    </p:extLst>
   </p:cSld>
   <p:clrMapOvr>
     <a:masterClrMapping/>
@@ -1530,7 +1484,7 @@
         <p:nvSpPr>
           <p:cNvPr id="29697" name="Rectangle 1"/>
           <p:cNvSpPr txBox="1">
-            <a:spLocks noGrp="1" noRot="1" noChangeAspect="1" noChangeArrowheads="1"/>
+            <a:spLocks noChangeArrowheads="1"/>
           </p:cNvSpPr>
           <p:nvPr>
             <p:ph type="sldImg"/>
@@ -1572,7 +1526,7 @@
         <p:nvSpPr>
           <p:cNvPr id="29698" name="Rectangle 2"/>
           <p:cNvSpPr txBox="1">
-            <a:spLocks noGrp="1" noChangeArrowheads="1"/>
+            <a:spLocks noChangeArrowheads="1"/>
           </p:cNvSpPr>
           <p:nvPr>
             <p:ph type="body" idx="1"/>
@@ -1626,11 +1580,6 @@
         </p:txBody>
       </p:sp>
     </p:spTree>
-    <p:extLst>
-      <p:ext uri="{BB962C8B-B14F-4D97-AF65-F5344CB8AC3E}">
-        <p14:creationId xmlns:p14="http://schemas.microsoft.com/office/powerpoint/2010/main" val="2769769227"/>
-      </p:ext>
-    </p:extLst>
   </p:cSld>
   <p:clrMapOvr>
     <a:masterClrMapping/>
@@ -1693,7 +1642,7 @@
         <p:nvSpPr>
           <p:cNvPr id="30721" name="Rectangle 1"/>
           <p:cNvSpPr txBox="1">
-            <a:spLocks noGrp="1" noRot="1" noChangeAspect="1" noChangeArrowheads="1"/>
+            <a:spLocks noChangeArrowheads="1"/>
           </p:cNvSpPr>
           <p:nvPr>
             <p:ph type="sldImg"/>
@@ -1735,7 +1684,7 @@
         <p:nvSpPr>
           <p:cNvPr id="30722" name="Rectangle 2"/>
           <p:cNvSpPr txBox="1">
-            <a:spLocks noGrp="1" noChangeArrowheads="1"/>
+            <a:spLocks noChangeArrowheads="1"/>
           </p:cNvSpPr>
           <p:nvPr>
             <p:ph type="body" idx="1"/>
@@ -1789,11 +1738,6 @@
         </p:txBody>
       </p:sp>
     </p:spTree>
-    <p:extLst>
-      <p:ext uri="{BB962C8B-B14F-4D97-AF65-F5344CB8AC3E}">
-        <p14:creationId xmlns:p14="http://schemas.microsoft.com/office/powerpoint/2010/main" val="243866509"/>
-      </p:ext>
-    </p:extLst>
   </p:cSld>
   <p:clrMapOvr>
     <a:masterClrMapping/>
@@ -1856,7 +1800,7 @@
         <p:nvSpPr>
           <p:cNvPr id="31745" name="Rectangle 1"/>
           <p:cNvSpPr txBox="1">
-            <a:spLocks noGrp="1" noRot="1" noChangeAspect="1" noChangeArrowheads="1"/>
+            <a:spLocks noChangeArrowheads="1"/>
           </p:cNvSpPr>
           <p:nvPr>
             <p:ph type="sldImg"/>
@@ -1898,7 +1842,7 @@
         <p:nvSpPr>
           <p:cNvPr id="31746" name="Rectangle 2"/>
           <p:cNvSpPr txBox="1">
-            <a:spLocks noGrp="1" noChangeArrowheads="1"/>
+            <a:spLocks noChangeArrowheads="1"/>
           </p:cNvSpPr>
           <p:nvPr>
             <p:ph type="body" idx="1"/>
@@ -1952,11 +1896,6 @@
         </p:txBody>
       </p:sp>
     </p:spTree>
-    <p:extLst>
-      <p:ext uri="{BB962C8B-B14F-4D97-AF65-F5344CB8AC3E}">
-        <p14:creationId xmlns:p14="http://schemas.microsoft.com/office/powerpoint/2010/main" val="505515553"/>
-      </p:ext>
-    </p:extLst>
   </p:cSld>
   <p:clrMapOvr>
     <a:masterClrMapping/>
@@ -2019,7 +1958,7 @@
         <p:nvSpPr>
           <p:cNvPr id="34817" name="Rectangle 1"/>
           <p:cNvSpPr txBox="1">
-            <a:spLocks noGrp="1" noRot="1" noChangeAspect="1" noChangeArrowheads="1"/>
+            <a:spLocks noChangeArrowheads="1"/>
           </p:cNvSpPr>
           <p:nvPr>
             <p:ph type="sldImg"/>
@@ -2061,7 +2000,7 @@
         <p:nvSpPr>
           <p:cNvPr id="34818" name="Rectangle 2"/>
           <p:cNvSpPr txBox="1">
-            <a:spLocks noGrp="1" noChangeArrowheads="1"/>
+            <a:spLocks noChangeArrowheads="1"/>
           </p:cNvSpPr>
           <p:nvPr>
             <p:ph type="body" idx="1"/>
@@ -2115,11 +2054,6 @@
         </p:txBody>
       </p:sp>
     </p:spTree>
-    <p:extLst>
-      <p:ext uri="{BB962C8B-B14F-4D97-AF65-F5344CB8AC3E}">
-        <p14:creationId xmlns:p14="http://schemas.microsoft.com/office/powerpoint/2010/main" val="1203168979"/>
-      </p:ext>
-    </p:extLst>
   </p:cSld>
   <p:clrMapOvr>
     <a:masterClrMapping/>
